--- a/CalendarioAgo2023/presentaciones/12_Archivos.pptx
+++ b/CalendarioAgo2023/presentaciones/12_Archivos.pptx
@@ -231,7 +231,7 @@
           <a:p>
             <a:fld id="{59C7E2AA-6A4C-4042-9554-ED2A913B287A}" type="datetimeFigureOut">
               <a:rPr lang="es-MX" smtClean="0"/>
-              <a:t>10/10/2022</a:t>
+              <a:t>10/10/2023</a:t>
             </a:fld>
             <a:endParaRPr lang="es-MX" dirty="0"/>
           </a:p>
@@ -3352,7 +3352,7 @@
           <a:p>
             <a:fld id="{BAE3B62E-9D6B-4C41-BFE5-D19C53A0513B}" type="datetimeFigureOut">
               <a:rPr lang="es-MX" smtClean="0"/>
-              <a:t>10/10/2022</a:t>
+              <a:t>10/10/2023</a:t>
             </a:fld>
             <a:endParaRPr lang="es-MX" dirty="0"/>
           </a:p>
@@ -3522,7 +3522,7 @@
           <a:p>
             <a:fld id="{BAE3B62E-9D6B-4C41-BFE5-D19C53A0513B}" type="datetimeFigureOut">
               <a:rPr lang="es-MX" smtClean="0"/>
-              <a:t>10/10/2022</a:t>
+              <a:t>10/10/2023</a:t>
             </a:fld>
             <a:endParaRPr lang="es-MX" dirty="0"/>
           </a:p>
@@ -3702,7 +3702,7 @@
           <a:p>
             <a:fld id="{BAE3B62E-9D6B-4C41-BFE5-D19C53A0513B}" type="datetimeFigureOut">
               <a:rPr lang="es-MX" smtClean="0"/>
-              <a:t>10/10/2022</a:t>
+              <a:t>10/10/2023</a:t>
             </a:fld>
             <a:endParaRPr lang="es-MX" dirty="0"/>
           </a:p>
@@ -3855,7 +3855,7 @@
           <a:p>
             <a:fld id="{1D8BD707-D9CF-40AE-B4C6-C98DA3205C09}" type="datetimeFigureOut">
               <a:rPr lang="en-US" smtClean="0"/>
-              <a:t>10/10/2022</a:t>
+              <a:t>10/10/2023</a:t>
             </a:fld>
             <a:endParaRPr lang="en-US"/>
           </a:p>
@@ -4015,7 +4015,7 @@
           <a:p>
             <a:fld id="{BAE3B62E-9D6B-4C41-BFE5-D19C53A0513B}" type="datetimeFigureOut">
               <a:rPr lang="es-MX" smtClean="0"/>
-              <a:t>10/10/2022</a:t>
+              <a:t>10/10/2023</a:t>
             </a:fld>
             <a:endParaRPr lang="es-MX" dirty="0"/>
           </a:p>
@@ -4261,7 +4261,7 @@
           <a:p>
             <a:fld id="{BAE3B62E-9D6B-4C41-BFE5-D19C53A0513B}" type="datetimeFigureOut">
               <a:rPr lang="es-MX" smtClean="0"/>
-              <a:t>10/10/2022</a:t>
+              <a:t>10/10/2023</a:t>
             </a:fld>
             <a:endParaRPr lang="es-MX" dirty="0"/>
           </a:p>
@@ -4549,7 +4549,7 @@
           <a:p>
             <a:fld id="{BAE3B62E-9D6B-4C41-BFE5-D19C53A0513B}" type="datetimeFigureOut">
               <a:rPr lang="es-MX" smtClean="0"/>
-              <a:t>10/10/2022</a:t>
+              <a:t>10/10/2023</a:t>
             </a:fld>
             <a:endParaRPr lang="es-MX" dirty="0"/>
           </a:p>
@@ -4971,7 +4971,7 @@
           <a:p>
             <a:fld id="{BAE3B62E-9D6B-4C41-BFE5-D19C53A0513B}" type="datetimeFigureOut">
               <a:rPr lang="es-MX" smtClean="0"/>
-              <a:t>10/10/2022</a:t>
+              <a:t>10/10/2023</a:t>
             </a:fld>
             <a:endParaRPr lang="es-MX" dirty="0"/>
           </a:p>
@@ -5089,7 +5089,7 @@
           <a:p>
             <a:fld id="{BAE3B62E-9D6B-4C41-BFE5-D19C53A0513B}" type="datetimeFigureOut">
               <a:rPr lang="es-MX" smtClean="0"/>
-              <a:t>10/10/2022</a:t>
+              <a:t>10/10/2023</a:t>
             </a:fld>
             <a:endParaRPr lang="es-MX" dirty="0"/>
           </a:p>
@@ -5184,7 +5184,7 @@
           <a:p>
             <a:fld id="{BAE3B62E-9D6B-4C41-BFE5-D19C53A0513B}" type="datetimeFigureOut">
               <a:rPr lang="es-MX" smtClean="0"/>
-              <a:t>10/10/2022</a:t>
+              <a:t>10/10/2023</a:t>
             </a:fld>
             <a:endParaRPr lang="es-MX" dirty="0"/>
           </a:p>
@@ -5461,7 +5461,7 @@
           <a:p>
             <a:fld id="{BAE3B62E-9D6B-4C41-BFE5-D19C53A0513B}" type="datetimeFigureOut">
               <a:rPr lang="es-MX" smtClean="0"/>
-              <a:t>10/10/2022</a:t>
+              <a:t>10/10/2023</a:t>
             </a:fld>
             <a:endParaRPr lang="es-MX" dirty="0"/>
           </a:p>
@@ -5714,7 +5714,7 @@
           <a:p>
             <a:fld id="{BAE3B62E-9D6B-4C41-BFE5-D19C53A0513B}" type="datetimeFigureOut">
               <a:rPr lang="es-MX" smtClean="0"/>
-              <a:t>10/10/2022</a:t>
+              <a:t>10/10/2023</a:t>
             </a:fld>
             <a:endParaRPr lang="es-MX" dirty="0"/>
           </a:p>
@@ -5927,7 +5927,7 @@
           <a:p>
             <a:fld id="{BAE3B62E-9D6B-4C41-BFE5-D19C53A0513B}" type="datetimeFigureOut">
               <a:rPr lang="es-MX" smtClean="0"/>
-              <a:t>10/10/2022</a:t>
+              <a:t>10/10/2023</a:t>
             </a:fld>
             <a:endParaRPr lang="es-MX" dirty="0"/>
           </a:p>
@@ -15176,7 +15176,7 @@
                 <a:latin typeface="Arial" panose="020B0604020202020204" pitchFamily="34" charset="0"/>
                 <a:cs typeface="Arial" panose="020B0604020202020204" pitchFamily="34" charset="0"/>
               </a:rPr>
-              <a:t>("\n") </a:t>
+              <a:t>('\n') </a:t>
             </a:r>
           </a:p>
           <a:p>
